--- a/ppt 16-9/0207.主啊！祢真伟大.pptx
+++ b/ppt 16-9/0207.主啊！祢真伟大.pptx
@@ -129,7 +129,7 @@
           <p:cNvPr id="2" name="标题 1">
             <a:extLst>
               <a:ext uri="{FF2B5EF4-FFF2-40B4-BE49-F238E27FC236}">
-                <a16:creationId xmlns:a16="http://schemas.microsoft.com/office/drawing/2014/main" id="{C09CFC98-D47C-CBB1-94BF-862EE8BBB327}"/>
+                <a16:creationId xmlns:a16="http://schemas.microsoft.com/office/drawing/2014/main" id="{302B5BA0-DF2A-545E-B985-5367A76CD3F7}"/>
               </a:ext>
             </a:extLst>
           </p:cNvPr>
@@ -166,7 +166,7 @@
           <p:cNvPr id="3" name="副标题 2">
             <a:extLst>
               <a:ext uri="{FF2B5EF4-FFF2-40B4-BE49-F238E27FC236}">
-                <a16:creationId xmlns:a16="http://schemas.microsoft.com/office/drawing/2014/main" id="{3A7BDE0A-7937-7631-4B21-FD7F0D4E0F08}"/>
+                <a16:creationId xmlns:a16="http://schemas.microsoft.com/office/drawing/2014/main" id="{8E020ACC-CBD9-2B6E-A48C-407F0F4A6A3C}"/>
               </a:ext>
             </a:extLst>
           </p:cNvPr>
@@ -236,7 +236,7 @@
           <p:cNvPr id="4" name="日期占位符 3">
             <a:extLst>
               <a:ext uri="{FF2B5EF4-FFF2-40B4-BE49-F238E27FC236}">
-                <a16:creationId xmlns:a16="http://schemas.microsoft.com/office/drawing/2014/main" id="{525AFA33-40AB-F9D0-59DF-E07A23C08CC6}"/>
+                <a16:creationId xmlns:a16="http://schemas.microsoft.com/office/drawing/2014/main" id="{F23D3911-F9DE-733C-328F-BE5D69F8A600}"/>
               </a:ext>
             </a:extLst>
           </p:cNvPr>
@@ -252,7 +252,7 @@
           <a:bodyPr/>
           <a:lstStyle/>
           <a:p>
-            <a:fld id="{BA4748A8-6FD7-43FD-BCA8-CFE4F762155D}" type="datetimeFigureOut">
+            <a:fld id="{4C279498-06D0-4ADA-A0F4-88D3544962EA}" type="datetimeFigureOut">
               <a:rPr lang="zh-CN" altLang="en-US" smtClean="0"/>
               <a:t>2024/3/10</a:t>
             </a:fld>
@@ -265,7 +265,7 @@
           <p:cNvPr id="5" name="页脚占位符 4">
             <a:extLst>
               <a:ext uri="{FF2B5EF4-FFF2-40B4-BE49-F238E27FC236}">
-                <a16:creationId xmlns:a16="http://schemas.microsoft.com/office/drawing/2014/main" id="{0437D520-F86B-3984-9553-B3583628CB13}"/>
+                <a16:creationId xmlns:a16="http://schemas.microsoft.com/office/drawing/2014/main" id="{678099A6-2AD1-D6C9-F854-36049D5E73FD}"/>
               </a:ext>
             </a:extLst>
           </p:cNvPr>
@@ -290,7 +290,7 @@
           <p:cNvPr id="6" name="灯片编号占位符 5">
             <a:extLst>
               <a:ext uri="{FF2B5EF4-FFF2-40B4-BE49-F238E27FC236}">
-                <a16:creationId xmlns:a16="http://schemas.microsoft.com/office/drawing/2014/main" id="{EBC268BB-FA2F-D701-CB72-2BA65BF70339}"/>
+                <a16:creationId xmlns:a16="http://schemas.microsoft.com/office/drawing/2014/main" id="{F0C564AA-DD2D-0C85-B7CA-68AA6051EA2B}"/>
               </a:ext>
             </a:extLst>
           </p:cNvPr>
@@ -306,7 +306,7 @@
           <a:bodyPr/>
           <a:lstStyle/>
           <a:p>
-            <a:fld id="{BFB3D484-4B80-4DDC-8B4B-85AF33226375}" type="slidenum">
+            <a:fld id="{2EACF971-42B3-4208-BCE3-8D7A9EF7152D}" type="slidenum">
               <a:rPr lang="zh-CN" altLang="en-US" smtClean="0"/>
               <a:t>‹#›</a:t>
             </a:fld>
@@ -317,7 +317,7 @@
     </p:spTree>
     <p:extLst>
       <p:ext uri="{BB962C8B-B14F-4D97-AF65-F5344CB8AC3E}">
-        <p14:creationId xmlns:p14="http://schemas.microsoft.com/office/powerpoint/2010/main" val="1871145480"/>
+        <p14:creationId xmlns:p14="http://schemas.microsoft.com/office/powerpoint/2010/main" val="1334749330"/>
       </p:ext>
     </p:extLst>
   </p:cSld>
@@ -349,7 +349,7 @@
           <p:cNvPr id="2" name="标题 1">
             <a:extLst>
               <a:ext uri="{FF2B5EF4-FFF2-40B4-BE49-F238E27FC236}">
-                <a16:creationId xmlns:a16="http://schemas.microsoft.com/office/drawing/2014/main" id="{EB7614FE-FFA8-34D2-B645-6A05E4B54FD6}"/>
+                <a16:creationId xmlns:a16="http://schemas.microsoft.com/office/drawing/2014/main" id="{9F8936BE-596B-D34C-2EE2-099AE0DCF1B5}"/>
               </a:ext>
             </a:extLst>
           </p:cNvPr>
@@ -377,7 +377,7 @@
           <p:cNvPr id="3" name="竖排文字占位符 2">
             <a:extLst>
               <a:ext uri="{FF2B5EF4-FFF2-40B4-BE49-F238E27FC236}">
-                <a16:creationId xmlns:a16="http://schemas.microsoft.com/office/drawing/2014/main" id="{EBD9F7F0-0661-6CCA-AD4C-0BFF63A42362}"/>
+                <a16:creationId xmlns:a16="http://schemas.microsoft.com/office/drawing/2014/main" id="{5A46664F-FCC0-ACC9-9150-AFA0A10A30A3}"/>
               </a:ext>
             </a:extLst>
           </p:cNvPr>
@@ -434,7 +434,7 @@
           <p:cNvPr id="4" name="日期占位符 3">
             <a:extLst>
               <a:ext uri="{FF2B5EF4-FFF2-40B4-BE49-F238E27FC236}">
-                <a16:creationId xmlns:a16="http://schemas.microsoft.com/office/drawing/2014/main" id="{7AEC6976-9A85-0DC1-A1DE-7391CDA54171}"/>
+                <a16:creationId xmlns:a16="http://schemas.microsoft.com/office/drawing/2014/main" id="{905C4846-BC81-41E4-D454-656E07598AB6}"/>
               </a:ext>
             </a:extLst>
           </p:cNvPr>
@@ -450,7 +450,7 @@
           <a:bodyPr/>
           <a:lstStyle/>
           <a:p>
-            <a:fld id="{BA4748A8-6FD7-43FD-BCA8-CFE4F762155D}" type="datetimeFigureOut">
+            <a:fld id="{4C279498-06D0-4ADA-A0F4-88D3544962EA}" type="datetimeFigureOut">
               <a:rPr lang="zh-CN" altLang="en-US" smtClean="0"/>
               <a:t>2024/3/10</a:t>
             </a:fld>
@@ -463,7 +463,7 @@
           <p:cNvPr id="5" name="页脚占位符 4">
             <a:extLst>
               <a:ext uri="{FF2B5EF4-FFF2-40B4-BE49-F238E27FC236}">
-                <a16:creationId xmlns:a16="http://schemas.microsoft.com/office/drawing/2014/main" id="{D50E11D7-FBA2-84D5-A2CD-28FC71B5EC37}"/>
+                <a16:creationId xmlns:a16="http://schemas.microsoft.com/office/drawing/2014/main" id="{E3AB7878-7C03-F934-CA93-182F595EF981}"/>
               </a:ext>
             </a:extLst>
           </p:cNvPr>
@@ -488,7 +488,7 @@
           <p:cNvPr id="6" name="灯片编号占位符 5">
             <a:extLst>
               <a:ext uri="{FF2B5EF4-FFF2-40B4-BE49-F238E27FC236}">
-                <a16:creationId xmlns:a16="http://schemas.microsoft.com/office/drawing/2014/main" id="{28F51504-2371-46BA-50A1-8CADE9331633}"/>
+                <a16:creationId xmlns:a16="http://schemas.microsoft.com/office/drawing/2014/main" id="{96D605EA-875E-A36F-5C62-3816EFEC6EC1}"/>
               </a:ext>
             </a:extLst>
           </p:cNvPr>
@@ -504,7 +504,7 @@
           <a:bodyPr/>
           <a:lstStyle/>
           <a:p>
-            <a:fld id="{BFB3D484-4B80-4DDC-8B4B-85AF33226375}" type="slidenum">
+            <a:fld id="{2EACF971-42B3-4208-BCE3-8D7A9EF7152D}" type="slidenum">
               <a:rPr lang="zh-CN" altLang="en-US" smtClean="0"/>
               <a:t>‹#›</a:t>
             </a:fld>
@@ -515,7 +515,7 @@
     </p:spTree>
     <p:extLst>
       <p:ext uri="{BB962C8B-B14F-4D97-AF65-F5344CB8AC3E}">
-        <p14:creationId xmlns:p14="http://schemas.microsoft.com/office/powerpoint/2010/main" val="1726057017"/>
+        <p14:creationId xmlns:p14="http://schemas.microsoft.com/office/powerpoint/2010/main" val="842661581"/>
       </p:ext>
     </p:extLst>
   </p:cSld>
@@ -547,7 +547,7 @@
           <p:cNvPr id="2" name="竖排标题 1">
             <a:extLst>
               <a:ext uri="{FF2B5EF4-FFF2-40B4-BE49-F238E27FC236}">
-                <a16:creationId xmlns:a16="http://schemas.microsoft.com/office/drawing/2014/main" id="{A1C03595-0A80-18C2-0915-C5F77374EB26}"/>
+                <a16:creationId xmlns:a16="http://schemas.microsoft.com/office/drawing/2014/main" id="{E68A10EE-084F-60BA-42D4-1FA4D368E54F}"/>
               </a:ext>
             </a:extLst>
           </p:cNvPr>
@@ -580,7 +580,7 @@
           <p:cNvPr id="3" name="竖排文字占位符 2">
             <a:extLst>
               <a:ext uri="{FF2B5EF4-FFF2-40B4-BE49-F238E27FC236}">
-                <a16:creationId xmlns:a16="http://schemas.microsoft.com/office/drawing/2014/main" id="{1C61A33C-A335-40B8-4408-AF15D0E79510}"/>
+                <a16:creationId xmlns:a16="http://schemas.microsoft.com/office/drawing/2014/main" id="{1BF0BCA9-2D20-20A2-3A58-EC5961FC7435}"/>
               </a:ext>
             </a:extLst>
           </p:cNvPr>
@@ -642,7 +642,7 @@
           <p:cNvPr id="4" name="日期占位符 3">
             <a:extLst>
               <a:ext uri="{FF2B5EF4-FFF2-40B4-BE49-F238E27FC236}">
-                <a16:creationId xmlns:a16="http://schemas.microsoft.com/office/drawing/2014/main" id="{BBA970A4-AF38-ED6C-5897-87D62B479CAD}"/>
+                <a16:creationId xmlns:a16="http://schemas.microsoft.com/office/drawing/2014/main" id="{BB6A6B61-BCAB-49B9-AA60-42FAB92B6D4A}"/>
               </a:ext>
             </a:extLst>
           </p:cNvPr>
@@ -658,7 +658,7 @@
           <a:bodyPr/>
           <a:lstStyle/>
           <a:p>
-            <a:fld id="{BA4748A8-6FD7-43FD-BCA8-CFE4F762155D}" type="datetimeFigureOut">
+            <a:fld id="{4C279498-06D0-4ADA-A0F4-88D3544962EA}" type="datetimeFigureOut">
               <a:rPr lang="zh-CN" altLang="en-US" smtClean="0"/>
               <a:t>2024/3/10</a:t>
             </a:fld>
@@ -671,7 +671,7 @@
           <p:cNvPr id="5" name="页脚占位符 4">
             <a:extLst>
               <a:ext uri="{FF2B5EF4-FFF2-40B4-BE49-F238E27FC236}">
-                <a16:creationId xmlns:a16="http://schemas.microsoft.com/office/drawing/2014/main" id="{840BCC9E-298C-3120-20E5-51CC9F78D825}"/>
+                <a16:creationId xmlns:a16="http://schemas.microsoft.com/office/drawing/2014/main" id="{64E3BA51-77DB-B98E-E403-5DC524C84CCF}"/>
               </a:ext>
             </a:extLst>
           </p:cNvPr>
@@ -696,7 +696,7 @@
           <p:cNvPr id="6" name="灯片编号占位符 5">
             <a:extLst>
               <a:ext uri="{FF2B5EF4-FFF2-40B4-BE49-F238E27FC236}">
-                <a16:creationId xmlns:a16="http://schemas.microsoft.com/office/drawing/2014/main" id="{4045B453-404D-A1D8-8843-1BAF94B1514F}"/>
+                <a16:creationId xmlns:a16="http://schemas.microsoft.com/office/drawing/2014/main" id="{C4EB1DC1-AECB-D020-DF5C-6C8A72E04241}"/>
               </a:ext>
             </a:extLst>
           </p:cNvPr>
@@ -712,7 +712,7 @@
           <a:bodyPr/>
           <a:lstStyle/>
           <a:p>
-            <a:fld id="{BFB3D484-4B80-4DDC-8B4B-85AF33226375}" type="slidenum">
+            <a:fld id="{2EACF971-42B3-4208-BCE3-8D7A9EF7152D}" type="slidenum">
               <a:rPr lang="zh-CN" altLang="en-US" smtClean="0"/>
               <a:t>‹#›</a:t>
             </a:fld>
@@ -723,7 +723,7 @@
     </p:spTree>
     <p:extLst>
       <p:ext uri="{BB962C8B-B14F-4D97-AF65-F5344CB8AC3E}">
-        <p14:creationId xmlns:p14="http://schemas.microsoft.com/office/powerpoint/2010/main" val="224953580"/>
+        <p14:creationId xmlns:p14="http://schemas.microsoft.com/office/powerpoint/2010/main" val="1225613695"/>
       </p:ext>
     </p:extLst>
   </p:cSld>
@@ -755,7 +755,7 @@
           <p:cNvPr id="2" name="标题 1">
             <a:extLst>
               <a:ext uri="{FF2B5EF4-FFF2-40B4-BE49-F238E27FC236}">
-                <a16:creationId xmlns:a16="http://schemas.microsoft.com/office/drawing/2014/main" id="{FDB4FA74-69FC-16D7-211D-13D910CA33BD}"/>
+                <a16:creationId xmlns:a16="http://schemas.microsoft.com/office/drawing/2014/main" id="{B49F6404-8EAA-47FC-E57F-3F90F1ECD30C}"/>
               </a:ext>
             </a:extLst>
           </p:cNvPr>
@@ -783,7 +783,7 @@
           <p:cNvPr id="3" name="内容占位符 2">
             <a:extLst>
               <a:ext uri="{FF2B5EF4-FFF2-40B4-BE49-F238E27FC236}">
-                <a16:creationId xmlns:a16="http://schemas.microsoft.com/office/drawing/2014/main" id="{05D70CE3-90CA-FEB2-018A-082ED2BECE72}"/>
+                <a16:creationId xmlns:a16="http://schemas.microsoft.com/office/drawing/2014/main" id="{37DE338D-6EAA-1855-1CE3-BCD8BEE28589}"/>
               </a:ext>
             </a:extLst>
           </p:cNvPr>
@@ -840,7 +840,7 @@
           <p:cNvPr id="4" name="日期占位符 3">
             <a:extLst>
               <a:ext uri="{FF2B5EF4-FFF2-40B4-BE49-F238E27FC236}">
-                <a16:creationId xmlns:a16="http://schemas.microsoft.com/office/drawing/2014/main" id="{C05D0D45-E85E-B497-831D-D20E7AAB1AD8}"/>
+                <a16:creationId xmlns:a16="http://schemas.microsoft.com/office/drawing/2014/main" id="{B8486A2D-4971-4D24-AF9B-821AD0A98228}"/>
               </a:ext>
             </a:extLst>
           </p:cNvPr>
@@ -856,7 +856,7 @@
           <a:bodyPr/>
           <a:lstStyle/>
           <a:p>
-            <a:fld id="{BA4748A8-6FD7-43FD-BCA8-CFE4F762155D}" type="datetimeFigureOut">
+            <a:fld id="{4C279498-06D0-4ADA-A0F4-88D3544962EA}" type="datetimeFigureOut">
               <a:rPr lang="zh-CN" altLang="en-US" smtClean="0"/>
               <a:t>2024/3/10</a:t>
             </a:fld>
@@ -869,7 +869,7 @@
           <p:cNvPr id="5" name="页脚占位符 4">
             <a:extLst>
               <a:ext uri="{FF2B5EF4-FFF2-40B4-BE49-F238E27FC236}">
-                <a16:creationId xmlns:a16="http://schemas.microsoft.com/office/drawing/2014/main" id="{8718CD9D-CDA8-D2B3-1CD3-EC9E8F600552}"/>
+                <a16:creationId xmlns:a16="http://schemas.microsoft.com/office/drawing/2014/main" id="{F4FF71CD-69E7-A2FC-8563-3A79C490088A}"/>
               </a:ext>
             </a:extLst>
           </p:cNvPr>
@@ -894,7 +894,7 @@
           <p:cNvPr id="6" name="灯片编号占位符 5">
             <a:extLst>
               <a:ext uri="{FF2B5EF4-FFF2-40B4-BE49-F238E27FC236}">
-                <a16:creationId xmlns:a16="http://schemas.microsoft.com/office/drawing/2014/main" id="{96343DB9-A2CA-C130-48C9-238DB55419FD}"/>
+                <a16:creationId xmlns:a16="http://schemas.microsoft.com/office/drawing/2014/main" id="{82538678-E237-BA2F-34AA-DD2E46BE368C}"/>
               </a:ext>
             </a:extLst>
           </p:cNvPr>
@@ -910,7 +910,7 @@
           <a:bodyPr/>
           <a:lstStyle/>
           <a:p>
-            <a:fld id="{BFB3D484-4B80-4DDC-8B4B-85AF33226375}" type="slidenum">
+            <a:fld id="{2EACF971-42B3-4208-BCE3-8D7A9EF7152D}" type="slidenum">
               <a:rPr lang="zh-CN" altLang="en-US" smtClean="0"/>
               <a:t>‹#›</a:t>
             </a:fld>
@@ -921,7 +921,7 @@
     </p:spTree>
     <p:extLst>
       <p:ext uri="{BB962C8B-B14F-4D97-AF65-F5344CB8AC3E}">
-        <p14:creationId xmlns:p14="http://schemas.microsoft.com/office/powerpoint/2010/main" val="2551776444"/>
+        <p14:creationId xmlns:p14="http://schemas.microsoft.com/office/powerpoint/2010/main" val="3253769517"/>
       </p:ext>
     </p:extLst>
   </p:cSld>
@@ -953,7 +953,7 @@
           <p:cNvPr id="2" name="标题 1">
             <a:extLst>
               <a:ext uri="{FF2B5EF4-FFF2-40B4-BE49-F238E27FC236}">
-                <a16:creationId xmlns:a16="http://schemas.microsoft.com/office/drawing/2014/main" id="{48724ACF-4C52-6030-3B21-D5542156CEBD}"/>
+                <a16:creationId xmlns:a16="http://schemas.microsoft.com/office/drawing/2014/main" id="{FE872829-C09C-881F-9850-1586662C3CA0}"/>
               </a:ext>
             </a:extLst>
           </p:cNvPr>
@@ -990,7 +990,7 @@
           <p:cNvPr id="3" name="文本占位符 2">
             <a:extLst>
               <a:ext uri="{FF2B5EF4-FFF2-40B4-BE49-F238E27FC236}">
-                <a16:creationId xmlns:a16="http://schemas.microsoft.com/office/drawing/2014/main" id="{F15CEC53-7D1D-C1D2-B0CC-FD8370D170ED}"/>
+                <a16:creationId xmlns:a16="http://schemas.microsoft.com/office/drawing/2014/main" id="{BE50688E-4830-A17B-F717-1080E7CABA3D}"/>
               </a:ext>
             </a:extLst>
           </p:cNvPr>
@@ -1115,7 +1115,7 @@
           <p:cNvPr id="4" name="日期占位符 3">
             <a:extLst>
               <a:ext uri="{FF2B5EF4-FFF2-40B4-BE49-F238E27FC236}">
-                <a16:creationId xmlns:a16="http://schemas.microsoft.com/office/drawing/2014/main" id="{7B435BD6-512F-A0F3-3911-6F726644C20A}"/>
+                <a16:creationId xmlns:a16="http://schemas.microsoft.com/office/drawing/2014/main" id="{50D90D31-F2CC-D8CA-21A5-93394564A20C}"/>
               </a:ext>
             </a:extLst>
           </p:cNvPr>
@@ -1131,7 +1131,7 @@
           <a:bodyPr/>
           <a:lstStyle/>
           <a:p>
-            <a:fld id="{BA4748A8-6FD7-43FD-BCA8-CFE4F762155D}" type="datetimeFigureOut">
+            <a:fld id="{4C279498-06D0-4ADA-A0F4-88D3544962EA}" type="datetimeFigureOut">
               <a:rPr lang="zh-CN" altLang="en-US" smtClean="0"/>
               <a:t>2024/3/10</a:t>
             </a:fld>
@@ -1144,7 +1144,7 @@
           <p:cNvPr id="5" name="页脚占位符 4">
             <a:extLst>
               <a:ext uri="{FF2B5EF4-FFF2-40B4-BE49-F238E27FC236}">
-                <a16:creationId xmlns:a16="http://schemas.microsoft.com/office/drawing/2014/main" id="{E8B1FBB8-4B1F-30EB-9857-EF8DC274E041}"/>
+                <a16:creationId xmlns:a16="http://schemas.microsoft.com/office/drawing/2014/main" id="{4E2F03C5-6D93-A3B3-0992-C93C91792593}"/>
               </a:ext>
             </a:extLst>
           </p:cNvPr>
@@ -1169,7 +1169,7 @@
           <p:cNvPr id="6" name="灯片编号占位符 5">
             <a:extLst>
               <a:ext uri="{FF2B5EF4-FFF2-40B4-BE49-F238E27FC236}">
-                <a16:creationId xmlns:a16="http://schemas.microsoft.com/office/drawing/2014/main" id="{40D493CF-9B60-CBB6-CEB6-924798775EAB}"/>
+                <a16:creationId xmlns:a16="http://schemas.microsoft.com/office/drawing/2014/main" id="{EB63F702-2EFF-EB1F-2874-336713742832}"/>
               </a:ext>
             </a:extLst>
           </p:cNvPr>
@@ -1185,7 +1185,7 @@
           <a:bodyPr/>
           <a:lstStyle/>
           <a:p>
-            <a:fld id="{BFB3D484-4B80-4DDC-8B4B-85AF33226375}" type="slidenum">
+            <a:fld id="{2EACF971-42B3-4208-BCE3-8D7A9EF7152D}" type="slidenum">
               <a:rPr lang="zh-CN" altLang="en-US" smtClean="0"/>
               <a:t>‹#›</a:t>
             </a:fld>
@@ -1196,7 +1196,7 @@
     </p:spTree>
     <p:extLst>
       <p:ext uri="{BB962C8B-B14F-4D97-AF65-F5344CB8AC3E}">
-        <p14:creationId xmlns:p14="http://schemas.microsoft.com/office/powerpoint/2010/main" val="520669046"/>
+        <p14:creationId xmlns:p14="http://schemas.microsoft.com/office/powerpoint/2010/main" val="11860749"/>
       </p:ext>
     </p:extLst>
   </p:cSld>
@@ -1228,7 +1228,7 @@
           <p:cNvPr id="2" name="标题 1">
             <a:extLst>
               <a:ext uri="{FF2B5EF4-FFF2-40B4-BE49-F238E27FC236}">
-                <a16:creationId xmlns:a16="http://schemas.microsoft.com/office/drawing/2014/main" id="{BAF250F9-AA40-6364-1BF8-7BC1A359F438}"/>
+                <a16:creationId xmlns:a16="http://schemas.microsoft.com/office/drawing/2014/main" id="{C6622AD2-A7B0-6622-9B7C-6EB33A654E06}"/>
               </a:ext>
             </a:extLst>
           </p:cNvPr>
@@ -1256,7 +1256,7 @@
           <p:cNvPr id="3" name="内容占位符 2">
             <a:extLst>
               <a:ext uri="{FF2B5EF4-FFF2-40B4-BE49-F238E27FC236}">
-                <a16:creationId xmlns:a16="http://schemas.microsoft.com/office/drawing/2014/main" id="{B7385375-BA17-992B-5E0C-FEA2AF016636}"/>
+                <a16:creationId xmlns:a16="http://schemas.microsoft.com/office/drawing/2014/main" id="{5078EABE-B68A-8D33-42A6-579BE88313D6}"/>
               </a:ext>
             </a:extLst>
           </p:cNvPr>
@@ -1318,7 +1318,7 @@
           <p:cNvPr id="4" name="内容占位符 3">
             <a:extLst>
               <a:ext uri="{FF2B5EF4-FFF2-40B4-BE49-F238E27FC236}">
-                <a16:creationId xmlns:a16="http://schemas.microsoft.com/office/drawing/2014/main" id="{3FC56C0D-DF43-4B9F-5135-4D9F4B6782E4}"/>
+                <a16:creationId xmlns:a16="http://schemas.microsoft.com/office/drawing/2014/main" id="{934980DD-36C6-1D27-46CA-9DFBDC839A0C}"/>
               </a:ext>
             </a:extLst>
           </p:cNvPr>
@@ -1380,7 +1380,7 @@
           <p:cNvPr id="5" name="日期占位符 4">
             <a:extLst>
               <a:ext uri="{FF2B5EF4-FFF2-40B4-BE49-F238E27FC236}">
-                <a16:creationId xmlns:a16="http://schemas.microsoft.com/office/drawing/2014/main" id="{B368A825-2DC8-D4E5-BB79-5E1DE9798C49}"/>
+                <a16:creationId xmlns:a16="http://schemas.microsoft.com/office/drawing/2014/main" id="{7451C8FB-3DC8-F1DE-B19D-BF1136B2CCBB}"/>
               </a:ext>
             </a:extLst>
           </p:cNvPr>
@@ -1396,7 +1396,7 @@
           <a:bodyPr/>
           <a:lstStyle/>
           <a:p>
-            <a:fld id="{BA4748A8-6FD7-43FD-BCA8-CFE4F762155D}" type="datetimeFigureOut">
+            <a:fld id="{4C279498-06D0-4ADA-A0F4-88D3544962EA}" type="datetimeFigureOut">
               <a:rPr lang="zh-CN" altLang="en-US" smtClean="0"/>
               <a:t>2024/3/10</a:t>
             </a:fld>
@@ -1409,7 +1409,7 @@
           <p:cNvPr id="6" name="页脚占位符 5">
             <a:extLst>
               <a:ext uri="{FF2B5EF4-FFF2-40B4-BE49-F238E27FC236}">
-                <a16:creationId xmlns:a16="http://schemas.microsoft.com/office/drawing/2014/main" id="{4CBB66EB-D3C8-5184-E8AC-8F61FFA885C2}"/>
+                <a16:creationId xmlns:a16="http://schemas.microsoft.com/office/drawing/2014/main" id="{CDE628BB-9DFA-D767-7804-EEF0E905FDD5}"/>
               </a:ext>
             </a:extLst>
           </p:cNvPr>
@@ -1434,7 +1434,7 @@
           <p:cNvPr id="7" name="灯片编号占位符 6">
             <a:extLst>
               <a:ext uri="{FF2B5EF4-FFF2-40B4-BE49-F238E27FC236}">
-                <a16:creationId xmlns:a16="http://schemas.microsoft.com/office/drawing/2014/main" id="{836670DE-DFC2-D59A-EB16-2B14979F283E}"/>
+                <a16:creationId xmlns:a16="http://schemas.microsoft.com/office/drawing/2014/main" id="{752BE550-6989-97C1-F6C8-2ED1211BBE21}"/>
               </a:ext>
             </a:extLst>
           </p:cNvPr>
@@ -1450,7 +1450,7 @@
           <a:bodyPr/>
           <a:lstStyle/>
           <a:p>
-            <a:fld id="{BFB3D484-4B80-4DDC-8B4B-85AF33226375}" type="slidenum">
+            <a:fld id="{2EACF971-42B3-4208-BCE3-8D7A9EF7152D}" type="slidenum">
               <a:rPr lang="zh-CN" altLang="en-US" smtClean="0"/>
               <a:t>‹#›</a:t>
             </a:fld>
@@ -1461,7 +1461,7 @@
     </p:spTree>
     <p:extLst>
       <p:ext uri="{BB962C8B-B14F-4D97-AF65-F5344CB8AC3E}">
-        <p14:creationId xmlns:p14="http://schemas.microsoft.com/office/powerpoint/2010/main" val="1004778347"/>
+        <p14:creationId xmlns:p14="http://schemas.microsoft.com/office/powerpoint/2010/main" val="2684212478"/>
       </p:ext>
     </p:extLst>
   </p:cSld>
@@ -1493,7 +1493,7 @@
           <p:cNvPr id="2" name="标题 1">
             <a:extLst>
               <a:ext uri="{FF2B5EF4-FFF2-40B4-BE49-F238E27FC236}">
-                <a16:creationId xmlns:a16="http://schemas.microsoft.com/office/drawing/2014/main" id="{F39A9B72-16FF-2E6C-529D-B79B60788744}"/>
+                <a16:creationId xmlns:a16="http://schemas.microsoft.com/office/drawing/2014/main" id="{5B9A0CA2-7849-E7C5-526A-05EFA6BDE605}"/>
               </a:ext>
             </a:extLst>
           </p:cNvPr>
@@ -1526,7 +1526,7 @@
           <p:cNvPr id="3" name="文本占位符 2">
             <a:extLst>
               <a:ext uri="{FF2B5EF4-FFF2-40B4-BE49-F238E27FC236}">
-                <a16:creationId xmlns:a16="http://schemas.microsoft.com/office/drawing/2014/main" id="{DB69759E-6A99-B7E9-E1D7-E9269E99C9C7}"/>
+                <a16:creationId xmlns:a16="http://schemas.microsoft.com/office/drawing/2014/main" id="{D3176ED2-92B8-FFE3-5B61-8E559D1EA3E1}"/>
               </a:ext>
             </a:extLst>
           </p:cNvPr>
@@ -1597,7 +1597,7 @@
           <p:cNvPr id="4" name="内容占位符 3">
             <a:extLst>
               <a:ext uri="{FF2B5EF4-FFF2-40B4-BE49-F238E27FC236}">
-                <a16:creationId xmlns:a16="http://schemas.microsoft.com/office/drawing/2014/main" id="{8B354136-6E32-2AB4-8349-93CB064FEE2C}"/>
+                <a16:creationId xmlns:a16="http://schemas.microsoft.com/office/drawing/2014/main" id="{77C11872-4948-613F-76A9-8AD43CC37A3B}"/>
               </a:ext>
             </a:extLst>
           </p:cNvPr>
@@ -1659,7 +1659,7 @@
           <p:cNvPr id="5" name="文本占位符 4">
             <a:extLst>
               <a:ext uri="{FF2B5EF4-FFF2-40B4-BE49-F238E27FC236}">
-                <a16:creationId xmlns:a16="http://schemas.microsoft.com/office/drawing/2014/main" id="{9E3945FA-7F49-D10B-3EFB-8BFF93FCF5AD}"/>
+                <a16:creationId xmlns:a16="http://schemas.microsoft.com/office/drawing/2014/main" id="{BB60D74E-125E-6F04-2152-5105A4275D94}"/>
               </a:ext>
             </a:extLst>
           </p:cNvPr>
@@ -1730,7 +1730,7 @@
           <p:cNvPr id="6" name="内容占位符 5">
             <a:extLst>
               <a:ext uri="{FF2B5EF4-FFF2-40B4-BE49-F238E27FC236}">
-                <a16:creationId xmlns:a16="http://schemas.microsoft.com/office/drawing/2014/main" id="{0829CF93-2434-9320-CBB2-37A53D871CC2}"/>
+                <a16:creationId xmlns:a16="http://schemas.microsoft.com/office/drawing/2014/main" id="{DDD6F978-F409-A342-6F2A-2662DF8FBDC6}"/>
               </a:ext>
             </a:extLst>
           </p:cNvPr>
@@ -1792,7 +1792,7 @@
           <p:cNvPr id="7" name="日期占位符 6">
             <a:extLst>
               <a:ext uri="{FF2B5EF4-FFF2-40B4-BE49-F238E27FC236}">
-                <a16:creationId xmlns:a16="http://schemas.microsoft.com/office/drawing/2014/main" id="{177FB9E0-AEA6-8365-E4B8-1AAE74FC25F5}"/>
+                <a16:creationId xmlns:a16="http://schemas.microsoft.com/office/drawing/2014/main" id="{029C6C06-6E9E-9A23-D15C-425346CA0710}"/>
               </a:ext>
             </a:extLst>
           </p:cNvPr>
@@ -1808,7 +1808,7 @@
           <a:bodyPr/>
           <a:lstStyle/>
           <a:p>
-            <a:fld id="{BA4748A8-6FD7-43FD-BCA8-CFE4F762155D}" type="datetimeFigureOut">
+            <a:fld id="{4C279498-06D0-4ADA-A0F4-88D3544962EA}" type="datetimeFigureOut">
               <a:rPr lang="zh-CN" altLang="en-US" smtClean="0"/>
               <a:t>2024/3/10</a:t>
             </a:fld>
@@ -1821,7 +1821,7 @@
           <p:cNvPr id="8" name="页脚占位符 7">
             <a:extLst>
               <a:ext uri="{FF2B5EF4-FFF2-40B4-BE49-F238E27FC236}">
-                <a16:creationId xmlns:a16="http://schemas.microsoft.com/office/drawing/2014/main" id="{FDEDA808-B57F-A34F-FFBD-BD3D51DB2BEC}"/>
+                <a16:creationId xmlns:a16="http://schemas.microsoft.com/office/drawing/2014/main" id="{9006ECCC-B4A0-6EB3-92A1-2E4226F788F1}"/>
               </a:ext>
             </a:extLst>
           </p:cNvPr>
@@ -1846,7 +1846,7 @@
           <p:cNvPr id="9" name="灯片编号占位符 8">
             <a:extLst>
               <a:ext uri="{FF2B5EF4-FFF2-40B4-BE49-F238E27FC236}">
-                <a16:creationId xmlns:a16="http://schemas.microsoft.com/office/drawing/2014/main" id="{766E1A26-80A7-2B7E-0D9F-EDF22083595C}"/>
+                <a16:creationId xmlns:a16="http://schemas.microsoft.com/office/drawing/2014/main" id="{95D3E46C-C6D8-847F-2A68-221C80488A3C}"/>
               </a:ext>
             </a:extLst>
           </p:cNvPr>
@@ -1862,7 +1862,7 @@
           <a:bodyPr/>
           <a:lstStyle/>
           <a:p>
-            <a:fld id="{BFB3D484-4B80-4DDC-8B4B-85AF33226375}" type="slidenum">
+            <a:fld id="{2EACF971-42B3-4208-BCE3-8D7A9EF7152D}" type="slidenum">
               <a:rPr lang="zh-CN" altLang="en-US" smtClean="0"/>
               <a:t>‹#›</a:t>
             </a:fld>
@@ -1873,7 +1873,7 @@
     </p:spTree>
     <p:extLst>
       <p:ext uri="{BB962C8B-B14F-4D97-AF65-F5344CB8AC3E}">
-        <p14:creationId xmlns:p14="http://schemas.microsoft.com/office/powerpoint/2010/main" val="3496744867"/>
+        <p14:creationId xmlns:p14="http://schemas.microsoft.com/office/powerpoint/2010/main" val="345451830"/>
       </p:ext>
     </p:extLst>
   </p:cSld>
@@ -1905,7 +1905,7 @@
           <p:cNvPr id="2" name="标题 1">
             <a:extLst>
               <a:ext uri="{FF2B5EF4-FFF2-40B4-BE49-F238E27FC236}">
-                <a16:creationId xmlns:a16="http://schemas.microsoft.com/office/drawing/2014/main" id="{249230F1-7907-5CC9-D2DE-FE0668184ECF}"/>
+                <a16:creationId xmlns:a16="http://schemas.microsoft.com/office/drawing/2014/main" id="{C00C6939-D12C-0F36-D5B7-4708A689E8D5}"/>
               </a:ext>
             </a:extLst>
           </p:cNvPr>
@@ -1933,7 +1933,7 @@
           <p:cNvPr id="3" name="日期占位符 2">
             <a:extLst>
               <a:ext uri="{FF2B5EF4-FFF2-40B4-BE49-F238E27FC236}">
-                <a16:creationId xmlns:a16="http://schemas.microsoft.com/office/drawing/2014/main" id="{4953D1B0-DC05-7F58-9359-E140A15BD581}"/>
+                <a16:creationId xmlns:a16="http://schemas.microsoft.com/office/drawing/2014/main" id="{E125A4BF-DFFF-5939-6999-2EB7C2C09E76}"/>
               </a:ext>
             </a:extLst>
           </p:cNvPr>
@@ -1949,7 +1949,7 @@
           <a:bodyPr/>
           <a:lstStyle/>
           <a:p>
-            <a:fld id="{BA4748A8-6FD7-43FD-BCA8-CFE4F762155D}" type="datetimeFigureOut">
+            <a:fld id="{4C279498-06D0-4ADA-A0F4-88D3544962EA}" type="datetimeFigureOut">
               <a:rPr lang="zh-CN" altLang="en-US" smtClean="0"/>
               <a:t>2024/3/10</a:t>
             </a:fld>
@@ -1962,7 +1962,7 @@
           <p:cNvPr id="4" name="页脚占位符 3">
             <a:extLst>
               <a:ext uri="{FF2B5EF4-FFF2-40B4-BE49-F238E27FC236}">
-                <a16:creationId xmlns:a16="http://schemas.microsoft.com/office/drawing/2014/main" id="{4FD927E8-8A8E-26B0-5003-C88658A7D61F}"/>
+                <a16:creationId xmlns:a16="http://schemas.microsoft.com/office/drawing/2014/main" id="{9F34EBDB-C17A-0004-4939-F88A47D730EF}"/>
               </a:ext>
             </a:extLst>
           </p:cNvPr>
@@ -1987,7 +1987,7 @@
           <p:cNvPr id="5" name="灯片编号占位符 4">
             <a:extLst>
               <a:ext uri="{FF2B5EF4-FFF2-40B4-BE49-F238E27FC236}">
-                <a16:creationId xmlns:a16="http://schemas.microsoft.com/office/drawing/2014/main" id="{0C8B0D02-639E-BB8D-A026-547B1704D725}"/>
+                <a16:creationId xmlns:a16="http://schemas.microsoft.com/office/drawing/2014/main" id="{6CDF8A1C-FD6E-AB3A-8C41-39AE01236406}"/>
               </a:ext>
             </a:extLst>
           </p:cNvPr>
@@ -2003,7 +2003,7 @@
           <a:bodyPr/>
           <a:lstStyle/>
           <a:p>
-            <a:fld id="{BFB3D484-4B80-4DDC-8B4B-85AF33226375}" type="slidenum">
+            <a:fld id="{2EACF971-42B3-4208-BCE3-8D7A9EF7152D}" type="slidenum">
               <a:rPr lang="zh-CN" altLang="en-US" smtClean="0"/>
               <a:t>‹#›</a:t>
             </a:fld>
@@ -2014,7 +2014,7 @@
     </p:spTree>
     <p:extLst>
       <p:ext uri="{BB962C8B-B14F-4D97-AF65-F5344CB8AC3E}">
-        <p14:creationId xmlns:p14="http://schemas.microsoft.com/office/powerpoint/2010/main" val="3929207872"/>
+        <p14:creationId xmlns:p14="http://schemas.microsoft.com/office/powerpoint/2010/main" val="1993471718"/>
       </p:ext>
     </p:extLst>
   </p:cSld>
@@ -2046,7 +2046,7 @@
           <p:cNvPr id="2" name="日期占位符 1">
             <a:extLst>
               <a:ext uri="{FF2B5EF4-FFF2-40B4-BE49-F238E27FC236}">
-                <a16:creationId xmlns:a16="http://schemas.microsoft.com/office/drawing/2014/main" id="{8643682E-D306-14E7-956C-5C9D58C25FFD}"/>
+                <a16:creationId xmlns:a16="http://schemas.microsoft.com/office/drawing/2014/main" id="{4478C364-26FD-E7AE-6F29-EDBD942216D4}"/>
               </a:ext>
             </a:extLst>
           </p:cNvPr>
@@ -2062,7 +2062,7 @@
           <a:bodyPr/>
           <a:lstStyle/>
           <a:p>
-            <a:fld id="{BA4748A8-6FD7-43FD-BCA8-CFE4F762155D}" type="datetimeFigureOut">
+            <a:fld id="{4C279498-06D0-4ADA-A0F4-88D3544962EA}" type="datetimeFigureOut">
               <a:rPr lang="zh-CN" altLang="en-US" smtClean="0"/>
               <a:t>2024/3/10</a:t>
             </a:fld>
@@ -2075,7 +2075,7 @@
           <p:cNvPr id="3" name="页脚占位符 2">
             <a:extLst>
               <a:ext uri="{FF2B5EF4-FFF2-40B4-BE49-F238E27FC236}">
-                <a16:creationId xmlns:a16="http://schemas.microsoft.com/office/drawing/2014/main" id="{F3658932-1D0F-8D27-ECEF-2E1898B4A48C}"/>
+                <a16:creationId xmlns:a16="http://schemas.microsoft.com/office/drawing/2014/main" id="{59A0B492-4D79-BD62-071D-F0DB1B8F9AE6}"/>
               </a:ext>
             </a:extLst>
           </p:cNvPr>
@@ -2100,7 +2100,7 @@
           <p:cNvPr id="4" name="灯片编号占位符 3">
             <a:extLst>
               <a:ext uri="{FF2B5EF4-FFF2-40B4-BE49-F238E27FC236}">
-                <a16:creationId xmlns:a16="http://schemas.microsoft.com/office/drawing/2014/main" id="{3F0F45AF-8B82-9A98-02B9-0DB617FC34D5}"/>
+                <a16:creationId xmlns:a16="http://schemas.microsoft.com/office/drawing/2014/main" id="{8D9CE3BB-BABD-F752-A97D-FA422841D101}"/>
               </a:ext>
             </a:extLst>
           </p:cNvPr>
@@ -2116,7 +2116,7 @@
           <a:bodyPr/>
           <a:lstStyle/>
           <a:p>
-            <a:fld id="{BFB3D484-4B80-4DDC-8B4B-85AF33226375}" type="slidenum">
+            <a:fld id="{2EACF971-42B3-4208-BCE3-8D7A9EF7152D}" type="slidenum">
               <a:rPr lang="zh-CN" altLang="en-US" smtClean="0"/>
               <a:t>‹#›</a:t>
             </a:fld>
@@ -2127,7 +2127,7 @@
     </p:spTree>
     <p:extLst>
       <p:ext uri="{BB962C8B-B14F-4D97-AF65-F5344CB8AC3E}">
-        <p14:creationId xmlns:p14="http://schemas.microsoft.com/office/powerpoint/2010/main" val="4245077277"/>
+        <p14:creationId xmlns:p14="http://schemas.microsoft.com/office/powerpoint/2010/main" val="577300690"/>
       </p:ext>
     </p:extLst>
   </p:cSld>
@@ -2159,7 +2159,7 @@
           <p:cNvPr id="2" name="标题 1">
             <a:extLst>
               <a:ext uri="{FF2B5EF4-FFF2-40B4-BE49-F238E27FC236}">
-                <a16:creationId xmlns:a16="http://schemas.microsoft.com/office/drawing/2014/main" id="{A67DFDE1-7544-EFB3-50EB-B30E55904B46}"/>
+                <a16:creationId xmlns:a16="http://schemas.microsoft.com/office/drawing/2014/main" id="{B65B38AD-86C8-7157-37BF-D142FAA488AD}"/>
               </a:ext>
             </a:extLst>
           </p:cNvPr>
@@ -2196,7 +2196,7 @@
           <p:cNvPr id="3" name="内容占位符 2">
             <a:extLst>
               <a:ext uri="{FF2B5EF4-FFF2-40B4-BE49-F238E27FC236}">
-                <a16:creationId xmlns:a16="http://schemas.microsoft.com/office/drawing/2014/main" id="{6AEF5293-899B-24DD-97F2-F2463423B434}"/>
+                <a16:creationId xmlns:a16="http://schemas.microsoft.com/office/drawing/2014/main" id="{235FFBF6-0AF6-861B-8E8E-6E2CBF64A581}"/>
               </a:ext>
             </a:extLst>
           </p:cNvPr>
@@ -2286,7 +2286,7 @@
           <p:cNvPr id="4" name="文本占位符 3">
             <a:extLst>
               <a:ext uri="{FF2B5EF4-FFF2-40B4-BE49-F238E27FC236}">
-                <a16:creationId xmlns:a16="http://schemas.microsoft.com/office/drawing/2014/main" id="{672768AB-B204-63EF-3D8B-4742FFB47D95}"/>
+                <a16:creationId xmlns:a16="http://schemas.microsoft.com/office/drawing/2014/main" id="{B41F1117-392A-20ED-F9A1-2064932B50ED}"/>
               </a:ext>
             </a:extLst>
           </p:cNvPr>
@@ -2357,7 +2357,7 @@
           <p:cNvPr id="5" name="日期占位符 4">
             <a:extLst>
               <a:ext uri="{FF2B5EF4-FFF2-40B4-BE49-F238E27FC236}">
-                <a16:creationId xmlns:a16="http://schemas.microsoft.com/office/drawing/2014/main" id="{4A9FE6FA-FA6C-8391-5F9C-8DB929A6B920}"/>
+                <a16:creationId xmlns:a16="http://schemas.microsoft.com/office/drawing/2014/main" id="{B4431AAC-B8CA-D29F-7AFA-CE815D699C38}"/>
               </a:ext>
             </a:extLst>
           </p:cNvPr>
@@ -2373,7 +2373,7 @@
           <a:bodyPr/>
           <a:lstStyle/>
           <a:p>
-            <a:fld id="{BA4748A8-6FD7-43FD-BCA8-CFE4F762155D}" type="datetimeFigureOut">
+            <a:fld id="{4C279498-06D0-4ADA-A0F4-88D3544962EA}" type="datetimeFigureOut">
               <a:rPr lang="zh-CN" altLang="en-US" smtClean="0"/>
               <a:t>2024/3/10</a:t>
             </a:fld>
@@ -2386,7 +2386,7 @@
           <p:cNvPr id="6" name="页脚占位符 5">
             <a:extLst>
               <a:ext uri="{FF2B5EF4-FFF2-40B4-BE49-F238E27FC236}">
-                <a16:creationId xmlns:a16="http://schemas.microsoft.com/office/drawing/2014/main" id="{AE586FF0-0E67-2519-7F2E-7332C0A3B3B5}"/>
+                <a16:creationId xmlns:a16="http://schemas.microsoft.com/office/drawing/2014/main" id="{55E39A4A-3BA9-3E43-AAFE-2394923F772D}"/>
               </a:ext>
             </a:extLst>
           </p:cNvPr>
@@ -2411,7 +2411,7 @@
           <p:cNvPr id="7" name="灯片编号占位符 6">
             <a:extLst>
               <a:ext uri="{FF2B5EF4-FFF2-40B4-BE49-F238E27FC236}">
-                <a16:creationId xmlns:a16="http://schemas.microsoft.com/office/drawing/2014/main" id="{983C4BE5-E8F1-3226-0ABF-2FC5947A0AA5}"/>
+                <a16:creationId xmlns:a16="http://schemas.microsoft.com/office/drawing/2014/main" id="{A57FB47C-00A8-C0DD-9FCB-A3C851426BF5}"/>
               </a:ext>
             </a:extLst>
           </p:cNvPr>
@@ -2427,7 +2427,7 @@
           <a:bodyPr/>
           <a:lstStyle/>
           <a:p>
-            <a:fld id="{BFB3D484-4B80-4DDC-8B4B-85AF33226375}" type="slidenum">
+            <a:fld id="{2EACF971-42B3-4208-BCE3-8D7A9EF7152D}" type="slidenum">
               <a:rPr lang="zh-CN" altLang="en-US" smtClean="0"/>
               <a:t>‹#›</a:t>
             </a:fld>
@@ -2438,7 +2438,7 @@
     </p:spTree>
     <p:extLst>
       <p:ext uri="{BB962C8B-B14F-4D97-AF65-F5344CB8AC3E}">
-        <p14:creationId xmlns:p14="http://schemas.microsoft.com/office/powerpoint/2010/main" val="1989054560"/>
+        <p14:creationId xmlns:p14="http://schemas.microsoft.com/office/powerpoint/2010/main" val="1225094652"/>
       </p:ext>
     </p:extLst>
   </p:cSld>
@@ -2470,7 +2470,7 @@
           <p:cNvPr id="2" name="标题 1">
             <a:extLst>
               <a:ext uri="{FF2B5EF4-FFF2-40B4-BE49-F238E27FC236}">
-                <a16:creationId xmlns:a16="http://schemas.microsoft.com/office/drawing/2014/main" id="{E68A2A0D-EEA5-1509-ED09-8FBB870675FF}"/>
+                <a16:creationId xmlns:a16="http://schemas.microsoft.com/office/drawing/2014/main" id="{997647D6-F52B-8348-ACDF-AEC68FF2EACB}"/>
               </a:ext>
             </a:extLst>
           </p:cNvPr>
@@ -2507,7 +2507,7 @@
           <p:cNvPr id="3" name="图片占位符 2">
             <a:extLst>
               <a:ext uri="{FF2B5EF4-FFF2-40B4-BE49-F238E27FC236}">
-                <a16:creationId xmlns:a16="http://schemas.microsoft.com/office/drawing/2014/main" id="{7588D8B0-717C-9DF4-4FAB-68CE207863B1}"/>
+                <a16:creationId xmlns:a16="http://schemas.microsoft.com/office/drawing/2014/main" id="{EA61811B-7304-5174-6360-62654D776268}"/>
               </a:ext>
             </a:extLst>
           </p:cNvPr>
@@ -2574,7 +2574,7 @@
           <p:cNvPr id="4" name="文本占位符 3">
             <a:extLst>
               <a:ext uri="{FF2B5EF4-FFF2-40B4-BE49-F238E27FC236}">
-                <a16:creationId xmlns:a16="http://schemas.microsoft.com/office/drawing/2014/main" id="{DC596739-CBE9-1CA2-B8B2-B6F28426C9A7}"/>
+                <a16:creationId xmlns:a16="http://schemas.microsoft.com/office/drawing/2014/main" id="{28838F71-4C9F-E93C-7376-5E3D66E8F62F}"/>
               </a:ext>
             </a:extLst>
           </p:cNvPr>
@@ -2645,7 +2645,7 @@
           <p:cNvPr id="5" name="日期占位符 4">
             <a:extLst>
               <a:ext uri="{FF2B5EF4-FFF2-40B4-BE49-F238E27FC236}">
-                <a16:creationId xmlns:a16="http://schemas.microsoft.com/office/drawing/2014/main" id="{48BD00B6-C459-BC05-AC69-A78B58579D81}"/>
+                <a16:creationId xmlns:a16="http://schemas.microsoft.com/office/drawing/2014/main" id="{C79DFDB5-E77B-8171-1BA8-95D86DF6DCAA}"/>
               </a:ext>
             </a:extLst>
           </p:cNvPr>
@@ -2661,7 +2661,7 @@
           <a:bodyPr/>
           <a:lstStyle/>
           <a:p>
-            <a:fld id="{BA4748A8-6FD7-43FD-BCA8-CFE4F762155D}" type="datetimeFigureOut">
+            <a:fld id="{4C279498-06D0-4ADA-A0F4-88D3544962EA}" type="datetimeFigureOut">
               <a:rPr lang="zh-CN" altLang="en-US" smtClean="0"/>
               <a:t>2024/3/10</a:t>
             </a:fld>
@@ -2674,7 +2674,7 @@
           <p:cNvPr id="6" name="页脚占位符 5">
             <a:extLst>
               <a:ext uri="{FF2B5EF4-FFF2-40B4-BE49-F238E27FC236}">
-                <a16:creationId xmlns:a16="http://schemas.microsoft.com/office/drawing/2014/main" id="{E0868329-B20D-851B-676B-AEA5DEC272AE}"/>
+                <a16:creationId xmlns:a16="http://schemas.microsoft.com/office/drawing/2014/main" id="{C29BC1B9-9291-035E-5779-794C8BA5A639}"/>
               </a:ext>
             </a:extLst>
           </p:cNvPr>
@@ -2699,7 +2699,7 @@
           <p:cNvPr id="7" name="灯片编号占位符 6">
             <a:extLst>
               <a:ext uri="{FF2B5EF4-FFF2-40B4-BE49-F238E27FC236}">
-                <a16:creationId xmlns:a16="http://schemas.microsoft.com/office/drawing/2014/main" id="{C690475F-DCBD-2188-DC90-F9F80AC2CEDF}"/>
+                <a16:creationId xmlns:a16="http://schemas.microsoft.com/office/drawing/2014/main" id="{43507A28-11FE-713A-EEC8-6A20CCAA1E44}"/>
               </a:ext>
             </a:extLst>
           </p:cNvPr>
@@ -2715,7 +2715,7 @@
           <a:bodyPr/>
           <a:lstStyle/>
           <a:p>
-            <a:fld id="{BFB3D484-4B80-4DDC-8B4B-85AF33226375}" type="slidenum">
+            <a:fld id="{2EACF971-42B3-4208-BCE3-8D7A9EF7152D}" type="slidenum">
               <a:rPr lang="zh-CN" altLang="en-US" smtClean="0"/>
               <a:t>‹#›</a:t>
             </a:fld>
@@ -2726,7 +2726,7 @@
     </p:spTree>
     <p:extLst>
       <p:ext uri="{BB962C8B-B14F-4D97-AF65-F5344CB8AC3E}">
-        <p14:creationId xmlns:p14="http://schemas.microsoft.com/office/powerpoint/2010/main" val="2692665189"/>
+        <p14:creationId xmlns:p14="http://schemas.microsoft.com/office/powerpoint/2010/main" val="963086364"/>
       </p:ext>
     </p:extLst>
   </p:cSld>
@@ -2763,7 +2763,7 @@
           <p:cNvPr id="2" name="标题占位符 1">
             <a:extLst>
               <a:ext uri="{FF2B5EF4-FFF2-40B4-BE49-F238E27FC236}">
-                <a16:creationId xmlns:a16="http://schemas.microsoft.com/office/drawing/2014/main" id="{B9C631E4-43C9-F0D7-C495-D95599B39FCF}"/>
+                <a16:creationId xmlns:a16="http://schemas.microsoft.com/office/drawing/2014/main" id="{2D775DEA-7EC0-0165-30AE-CC40C19DE92B}"/>
               </a:ext>
             </a:extLst>
           </p:cNvPr>
@@ -2801,7 +2801,7 @@
           <p:cNvPr id="3" name="文本占位符 2">
             <a:extLst>
               <a:ext uri="{FF2B5EF4-FFF2-40B4-BE49-F238E27FC236}">
-                <a16:creationId xmlns:a16="http://schemas.microsoft.com/office/drawing/2014/main" id="{1768F7AB-AD5A-080B-3393-7AA2843925C5}"/>
+                <a16:creationId xmlns:a16="http://schemas.microsoft.com/office/drawing/2014/main" id="{E8470029-5EF8-5F7F-7B67-0ED0515D1896}"/>
               </a:ext>
             </a:extLst>
           </p:cNvPr>
@@ -2868,7 +2868,7 @@
           <p:cNvPr id="4" name="日期占位符 3">
             <a:extLst>
               <a:ext uri="{FF2B5EF4-FFF2-40B4-BE49-F238E27FC236}">
-                <a16:creationId xmlns:a16="http://schemas.microsoft.com/office/drawing/2014/main" id="{F1790204-E189-61AE-E8C5-40AED1EDA545}"/>
+                <a16:creationId xmlns:a16="http://schemas.microsoft.com/office/drawing/2014/main" id="{6D66D77C-1DEF-FCB2-DDF1-5A4C4546FC26}"/>
               </a:ext>
             </a:extLst>
           </p:cNvPr>
@@ -2902,7 +2902,7 @@
             </a:lvl1pPr>
           </a:lstStyle>
           <a:p>
-            <a:fld id="{BA4748A8-6FD7-43FD-BCA8-CFE4F762155D}" type="datetimeFigureOut">
+            <a:fld id="{4C279498-06D0-4ADA-A0F4-88D3544962EA}" type="datetimeFigureOut">
               <a:rPr lang="zh-CN" altLang="en-US" smtClean="0"/>
               <a:t>2024/3/10</a:t>
             </a:fld>
@@ -2915,7 +2915,7 @@
           <p:cNvPr id="5" name="页脚占位符 4">
             <a:extLst>
               <a:ext uri="{FF2B5EF4-FFF2-40B4-BE49-F238E27FC236}">
-                <a16:creationId xmlns:a16="http://schemas.microsoft.com/office/drawing/2014/main" id="{A62811B6-3332-D715-6888-5FE16D93A70E}"/>
+                <a16:creationId xmlns:a16="http://schemas.microsoft.com/office/drawing/2014/main" id="{53753773-03C2-25D7-5634-77AA642B44E1}"/>
               </a:ext>
             </a:extLst>
           </p:cNvPr>
@@ -2958,7 +2958,7 @@
           <p:cNvPr id="6" name="灯片编号占位符 5">
             <a:extLst>
               <a:ext uri="{FF2B5EF4-FFF2-40B4-BE49-F238E27FC236}">
-                <a16:creationId xmlns:a16="http://schemas.microsoft.com/office/drawing/2014/main" id="{E5099A43-AA2E-2DA0-ADB3-AFD306B1041A}"/>
+                <a16:creationId xmlns:a16="http://schemas.microsoft.com/office/drawing/2014/main" id="{0503048C-5AD1-0F10-9097-66CFD04B4EF4}"/>
               </a:ext>
             </a:extLst>
           </p:cNvPr>
@@ -2992,7 +2992,7 @@
             </a:lvl1pPr>
           </a:lstStyle>
           <a:p>
-            <a:fld id="{BFB3D484-4B80-4DDC-8B4B-85AF33226375}" type="slidenum">
+            <a:fld id="{2EACF971-42B3-4208-BCE3-8D7A9EF7152D}" type="slidenum">
               <a:rPr lang="zh-CN" altLang="en-US" smtClean="0"/>
               <a:t>‹#›</a:t>
             </a:fld>
@@ -3003,7 +3003,7 @@
     </p:spTree>
     <p:extLst>
       <p:ext uri="{BB962C8B-B14F-4D97-AF65-F5344CB8AC3E}">
-        <p14:creationId xmlns:p14="http://schemas.microsoft.com/office/powerpoint/2010/main" val="2338371647"/>
+        <p14:creationId xmlns:p14="http://schemas.microsoft.com/office/powerpoint/2010/main" val="4123132860"/>
       </p:ext>
     </p:extLst>
   </p:cSld>
